--- a/Slides/ggl005-Camera.pptx
+++ b/Slides/ggl005-Camera.pptx
@@ -13,9 +13,9 @@
     <p:sldId id="550" r:id="rId4"/>
     <p:sldId id="488" r:id="rId5"/>
     <p:sldId id="561" r:id="rId6"/>
-    <p:sldId id="562" r:id="rId7"/>
+    <p:sldId id="564" r:id="rId7"/>
     <p:sldId id="563" r:id="rId8"/>
-    <p:sldId id="564" r:id="rId9"/>
+    <p:sldId id="562" r:id="rId9"/>
     <p:sldId id="565" r:id="rId10"/>
     <p:sldId id="566" r:id="rId11"/>
     <p:sldId id="567" r:id="rId12"/>
@@ -235,7 +235,7 @@
             <a:fld id="{C0D025BB-35D5-419D-8ED2-E5EDB67F143A}" type="datetimeFigureOut">
               <a:rPr lang="en-US" smtClean="0"/>
               <a:pPr/>
-              <a:t>10/11/2019</a:t>
+              <a:t>10/4/2020</a:t>
             </a:fld>
             <a:endParaRPr lang="en-US"/>
           </a:p>
@@ -1890,7 +1890,7 @@
     </p:spTree>
     <p:extLst>
       <p:ext uri="{BB962C8B-B14F-4D97-AF65-F5344CB8AC3E}">
-        <p14:creationId xmlns:p14="http://schemas.microsoft.com/office/powerpoint/2010/main" val="1203327736"/>
+        <p14:creationId xmlns:p14="http://schemas.microsoft.com/office/powerpoint/2010/main" val="3186229047"/>
       </p:ext>
     </p:extLst>
   </p:cSld>
@@ -2064,7 +2064,7 @@
     </p:spTree>
     <p:extLst>
       <p:ext uri="{BB962C8B-B14F-4D97-AF65-F5344CB8AC3E}">
-        <p14:creationId xmlns:p14="http://schemas.microsoft.com/office/powerpoint/2010/main" val="3186229047"/>
+        <p14:creationId xmlns:p14="http://schemas.microsoft.com/office/powerpoint/2010/main" val="1203327736"/>
       </p:ext>
     </p:extLst>
   </p:cSld>
@@ -3062,7 +3062,7 @@
             <a:fld id="{77DAEA1A-6276-4434-840E-9C81C04BC3C1}" type="datetimeFigureOut">
               <a:rPr lang="en-US" smtClean="0"/>
               <a:pPr/>
-              <a:t>10/11/2019</a:t>
+              <a:t>10/4/2020</a:t>
             </a:fld>
             <a:endParaRPr lang="en-US"/>
           </a:p>
@@ -3526,6 +3526,13 @@
   <p:clrMapOvr>
     <a:masterClrMapping/>
   </p:clrMapOvr>
+  <p:timing>
+    <p:tnLst>
+      <p:par>
+        <p:cTn id="1" dur="indefinite" restart="never" nodeType="tmRoot"/>
+      </p:par>
+    </p:tnLst>
+  </p:timing>
 </p:sld>
 </file>
 
@@ -3551,7 +3558,7 @@
           <p:cNvPr id="6" name="Title 5">
             <a:extLst>
               <a:ext uri="{FF2B5EF4-FFF2-40B4-BE49-F238E27FC236}">
-                <a16:creationId xmlns="" xmlns:a16="http://schemas.microsoft.com/office/drawing/2014/main" id="{13397F04-F22D-49B7-9111-3E764FC17708}"/>
+                <a16:creationId xmlns:a16="http://schemas.microsoft.com/office/drawing/2014/main" xmlns="" id="{13397F04-F22D-49B7-9111-3E764FC17708}"/>
               </a:ext>
             </a:extLst>
           </p:cNvPr>
@@ -3613,7 +3620,15 @@
           <a:p>
             <a:r>
               <a:rPr lang="hu-HU" dirty="0" smtClean="0"/>
-              <a:t>a pozíciót az ebben levő mátrixszal is szorozzuk</a:t>
+              <a:t>a pozíciót az ebben levő mátrixszal </a:t>
+            </a:r>
+            <a:r>
+              <a:rPr lang="hu-HU" b="1" dirty="0" smtClean="0"/>
+              <a:t>is</a:t>
+            </a:r>
+            <a:r>
+              <a:rPr lang="hu-HU" dirty="0" smtClean="0"/>
+              <a:t> szorozzuk</a:t>
             </a:r>
             <a:endParaRPr lang="en-US" dirty="0"/>
           </a:p>
@@ -3629,6 +3644,13 @@
   <p:clrMapOvr>
     <a:masterClrMapping/>
   </p:clrMapOvr>
+  <p:timing>
+    <p:tnLst>
+      <p:par>
+        <p:cTn id="1" dur="indefinite" restart="never" nodeType="tmRoot"/>
+      </p:par>
+    </p:tnLst>
+  </p:timing>
 </p:sld>
 </file>
 
@@ -3718,6 +3740,13 @@
   <p:clrMapOvr>
     <a:masterClrMapping/>
   </p:clrMapOvr>
+  <p:timing>
+    <p:tnLst>
+      <p:par>
+        <p:cTn id="1" dur="indefinite" restart="never" nodeType="tmRoot"/>
+      </p:par>
+    </p:tnLst>
+  </p:timing>
 </p:sld>
 </file>
 
@@ -3863,7 +3892,6 @@
               <a:rPr lang="en-US" sz="2000" dirty="0"/>
               <a:t>		break;</a:t>
             </a:r>
-            <a:endParaRPr lang="en-US" sz="2000" dirty="0"/>
           </a:p>
         </p:txBody>
       </p:sp>
@@ -3872,7 +3900,7 @@
           <p:cNvPr id="6" name="Title 5">
             <a:extLst>
               <a:ext uri="{FF2B5EF4-FFF2-40B4-BE49-F238E27FC236}">
-                <a16:creationId xmlns="" xmlns:a16="http://schemas.microsoft.com/office/drawing/2014/main" id="{13397F04-F22D-49B7-9111-3E764FC17708}"/>
+                <a16:creationId xmlns:a16="http://schemas.microsoft.com/office/drawing/2014/main" xmlns="" id="{13397F04-F22D-49B7-9111-3E764FC17708}"/>
               </a:ext>
             </a:extLst>
           </p:cNvPr>
@@ -3895,7 +3923,7 @@
           <a:p>
             <a:r>
               <a:rPr lang="hu-HU" sz="3600" dirty="0" smtClean="0"/>
-              <a:t>main.h </a:t>
+              <a:t>main.cpp </a:t>
             </a:r>
             <a:r>
               <a:rPr lang="en-US" sz="3600" dirty="0" err="1"/>
@@ -3915,6 +3943,13 @@
   <p:clrMapOvr>
     <a:masterClrMapping/>
   </p:clrMapOvr>
+  <p:timing>
+    <p:tnLst>
+      <p:par>
+        <p:cTn id="1" dur="indefinite" restart="never" nodeType="tmRoot"/>
+      </p:par>
+    </p:tnLst>
+  </p:timing>
 </p:sld>
 </file>
 
@@ -3964,7 +3999,6 @@
               <a:rPr lang="en-US" sz="3600" dirty="0"/>
               <a:t>);</a:t>
             </a:r>
-            <a:endParaRPr lang="en-US" sz="3600" dirty="0"/>
           </a:p>
         </p:txBody>
       </p:sp>
@@ -3973,7 +4007,7 @@
           <p:cNvPr id="6" name="Title 5">
             <a:extLst>
               <a:ext uri="{FF2B5EF4-FFF2-40B4-BE49-F238E27FC236}">
-                <a16:creationId xmlns="" xmlns:a16="http://schemas.microsoft.com/office/drawing/2014/main" id="{13397F04-F22D-49B7-9111-3E764FC17708}"/>
+                <a16:creationId xmlns:a16="http://schemas.microsoft.com/office/drawing/2014/main" xmlns="" id="{13397F04-F22D-49B7-9111-3E764FC17708}"/>
               </a:ext>
             </a:extLst>
           </p:cNvPr>
@@ -4012,6 +4046,13 @@
   <p:clrMapOvr>
     <a:masterClrMapping/>
   </p:clrMapOvr>
+  <p:timing>
+    <p:tnLst>
+      <p:par>
+        <p:cTn id="1" dur="indefinite" restart="never" nodeType="tmRoot"/>
+      </p:par>
+    </p:tnLst>
+  </p:timing>
 </p:sld>
 </file>
 
@@ -4151,7 +4192,6 @@
               <a:rPr lang="en-US" sz="2800" dirty="0"/>
               <a:t>	}</a:t>
             </a:r>
-            <a:endParaRPr lang="en-US" sz="2800" dirty="0"/>
           </a:p>
         </p:txBody>
       </p:sp>
@@ -4160,7 +4200,7 @@
           <p:cNvPr id="6" name="Title 5">
             <a:extLst>
               <a:ext uri="{FF2B5EF4-FFF2-40B4-BE49-F238E27FC236}">
-                <a16:creationId xmlns="" xmlns:a16="http://schemas.microsoft.com/office/drawing/2014/main" id="{13397F04-F22D-49B7-9111-3E764FC17708}"/>
+                <a16:creationId xmlns:a16="http://schemas.microsoft.com/office/drawing/2014/main" xmlns="" id="{13397F04-F22D-49B7-9111-3E764FC17708}"/>
               </a:ext>
             </a:extLst>
           </p:cNvPr>
@@ -4199,6 +4239,13 @@
   <p:clrMapOvr>
     <a:masterClrMapping/>
   </p:clrMapOvr>
+  <p:timing>
+    <p:tnLst>
+      <p:par>
+        <p:cTn id="1" dur="indefinite" restart="never" nodeType="tmRoot"/>
+      </p:par>
+    </p:tnLst>
+  </p:timing>
 </p:sld>
 </file>
 
@@ -4263,7 +4310,15 @@
           <a:p>
             <a:r>
               <a:rPr lang="hu-HU" dirty="0" smtClean="0"/>
-              <a:t>WASD + egér + numpad+- kameramozgás</a:t>
+              <a:t>WASD + egér + numpad</a:t>
+            </a:r>
+            <a:r>
+              <a:rPr lang="hu-HU" dirty="0" smtClean="0"/>
+              <a:t>+ - </a:t>
+            </a:r>
+            <a:r>
+              <a:rPr lang="hu-HU" dirty="0" smtClean="0"/>
+              <a:t>kameramozgás</a:t>
             </a:r>
             <a:endParaRPr lang="en-US" dirty="0"/>
           </a:p>
@@ -4279,6 +4334,13 @@
   <p:clrMapOvr>
     <a:masterClrMapping/>
   </p:clrMapOvr>
+  <p:timing>
+    <p:tnLst>
+      <p:par>
+        <p:cTn id="1" dur="indefinite" restart="never" nodeType="tmRoot"/>
+      </p:par>
+    </p:tnLst>
+  </p:timing>
 </p:sld>
 </file>
 
@@ -4336,7 +4398,6 @@
               <a:rPr lang="en-US" sz="4000" dirty="0"/>
               <a:t>;</a:t>
             </a:r>
-            <a:endParaRPr lang="en-US" sz="4000" dirty="0"/>
           </a:p>
         </p:txBody>
       </p:sp>
@@ -4345,7 +4406,7 @@
           <p:cNvPr id="6" name="Title 5">
             <a:extLst>
               <a:ext uri="{FF2B5EF4-FFF2-40B4-BE49-F238E27FC236}">
-                <a16:creationId xmlns="" xmlns:a16="http://schemas.microsoft.com/office/drawing/2014/main" id="{13397F04-F22D-49B7-9111-3E764FC17708}"/>
+                <a16:creationId xmlns:a16="http://schemas.microsoft.com/office/drawing/2014/main" xmlns="" id="{13397F04-F22D-49B7-9111-3E764FC17708}"/>
               </a:ext>
             </a:extLst>
           </p:cNvPr>
@@ -4388,6 +4449,13 @@
   <p:clrMapOvr>
     <a:masterClrMapping/>
   </p:clrMapOvr>
+  <p:timing>
+    <p:tnLst>
+      <p:par>
+        <p:cTn id="1" dur="indefinite" restart="never" nodeType="tmRoot"/>
+      </p:par>
+    </p:tnLst>
+  </p:timing>
 </p:sld>
 </file>
 
@@ -4457,7 +4525,6 @@
               <a:rPr lang="en-US" sz="2800" dirty="0"/>
               <a:t>();</a:t>
             </a:r>
-            <a:endParaRPr lang="en-US" sz="2800" dirty="0"/>
           </a:p>
         </p:txBody>
       </p:sp>
@@ -4466,7 +4533,7 @@
           <p:cNvPr id="6" name="Title 5">
             <a:extLst>
               <a:ext uri="{FF2B5EF4-FFF2-40B4-BE49-F238E27FC236}">
-                <a16:creationId xmlns="" xmlns:a16="http://schemas.microsoft.com/office/drawing/2014/main" id="{13397F04-F22D-49B7-9111-3E764FC17708}"/>
+                <a16:creationId xmlns:a16="http://schemas.microsoft.com/office/drawing/2014/main" xmlns="" id="{13397F04-F22D-49B7-9111-3E764FC17708}"/>
               </a:ext>
             </a:extLst>
           </p:cNvPr>
@@ -4509,6 +4576,13 @@
   <p:clrMapOvr>
     <a:masterClrMapping/>
   </p:clrMapOvr>
+  <p:timing>
+    <p:tnLst>
+      <p:par>
+        <p:cTn id="1" dur="indefinite" restart="never" nodeType="tmRoot"/>
+      </p:par>
+    </p:tnLst>
+  </p:timing>
 </p:sld>
 </file>
 
@@ -4554,7 +4628,6 @@
               <a:rPr lang="en-US" sz="2800" dirty="0"/>
               <a:t> = 2;</a:t>
             </a:r>
-            <a:endParaRPr lang="en-US" sz="2800" dirty="0"/>
           </a:p>
         </p:txBody>
       </p:sp>
@@ -4563,7 +4636,7 @@
           <p:cNvPr id="6" name="Title 5">
             <a:extLst>
               <a:ext uri="{FF2B5EF4-FFF2-40B4-BE49-F238E27FC236}">
-                <a16:creationId xmlns="" xmlns:a16="http://schemas.microsoft.com/office/drawing/2014/main" id="{13397F04-F22D-49B7-9111-3E764FC17708}"/>
+                <a16:creationId xmlns:a16="http://schemas.microsoft.com/office/drawing/2014/main" xmlns="" id="{13397F04-F22D-49B7-9111-3E764FC17708}"/>
               </a:ext>
             </a:extLst>
           </p:cNvPr>
@@ -4606,6 +4679,13 @@
   <p:clrMapOvr>
     <a:masterClrMapping/>
   </p:clrMapOvr>
+  <p:timing>
+    <p:tnLst>
+      <p:par>
+        <p:cTn id="1" dur="indefinite" restart="never" nodeType="tmRoot"/>
+      </p:par>
+    </p:tnLst>
+  </p:timing>
 </p:sld>
 </file>
 
@@ -4705,7 +4785,6 @@
               <a:rPr lang="en-US" sz="2800" dirty="0"/>
               <a:t>(), 1);</a:t>
             </a:r>
-            <a:endParaRPr lang="en-US" sz="2800" dirty="0"/>
           </a:p>
         </p:txBody>
       </p:sp>
@@ -4714,7 +4793,7 @@
           <p:cNvPr id="6" name="Title 5">
             <a:extLst>
               <a:ext uri="{FF2B5EF4-FFF2-40B4-BE49-F238E27FC236}">
-                <a16:creationId xmlns="" xmlns:a16="http://schemas.microsoft.com/office/drawing/2014/main" id="{13397F04-F22D-49B7-9111-3E764FC17708}"/>
+                <a16:creationId xmlns:a16="http://schemas.microsoft.com/office/drawing/2014/main" xmlns="" id="{13397F04-F22D-49B7-9111-3E764FC17708}"/>
               </a:ext>
             </a:extLst>
           </p:cNvPr>
@@ -4757,6 +4836,13 @@
   <p:clrMapOvr>
     <a:masterClrMapping/>
   </p:clrMapOvr>
+  <p:timing>
+    <p:tnLst>
+      <p:par>
+        <p:cTn id="1" dur="indefinite" restart="never" nodeType="tmRoot"/>
+      </p:par>
+    </p:tnLst>
+  </p:timing>
 </p:sld>
 </file>
 
@@ -4831,11 +4917,7 @@
             <a:pPr lvl="1"/>
             <a:r>
               <a:rPr lang="hu-HU" dirty="0" smtClean="0"/>
-              <a:t>Cam::</a:t>
-            </a:r>
-            <a:r>
-              <a:rPr lang="hu-HU" dirty="0" smtClean="0"/>
-              <a:t>FirstPerson</a:t>
+              <a:t>Cam::FirstPerson</a:t>
             </a:r>
             <a:endParaRPr lang="en-US" dirty="0" smtClean="0"/>
           </a:p>
@@ -4875,6 +4957,13 @@
   <p:clrMapOvr>
     <a:masterClrMapping/>
   </p:clrMapOvr>
+  <p:timing>
+    <p:tnLst>
+      <p:par>
+        <p:cTn id="1" dur="indefinite" restart="never" nodeType="tmRoot"/>
+      </p:par>
+    </p:tnLst>
+  </p:timing>
 </p:sld>
 </file>
 
@@ -4989,7 +5078,7 @@
           <p:cNvPr id="6" name="Title 5">
             <a:extLst>
               <a:ext uri="{FF2B5EF4-FFF2-40B4-BE49-F238E27FC236}">
-                <a16:creationId xmlns="" xmlns:a16="http://schemas.microsoft.com/office/drawing/2014/main" id="{13397F04-F22D-49B7-9111-3E764FC17708}"/>
+                <a16:creationId xmlns:a16="http://schemas.microsoft.com/office/drawing/2014/main" xmlns="" id="{13397F04-F22D-49B7-9111-3E764FC17708}"/>
               </a:ext>
             </a:extLst>
           </p:cNvPr>
@@ -5028,6 +5117,13 @@
   <p:clrMapOvr>
     <a:masterClrMapping/>
   </p:clrMapOvr>
+  <p:timing>
+    <p:tnLst>
+      <p:par>
+        <p:cTn id="1" dur="indefinite" restart="never" nodeType="tmRoot"/>
+      </p:par>
+    </p:tnLst>
+  </p:timing>
 </p:sld>
 </file>
 
@@ -5053,7 +5149,7 @@
           <p:cNvPr id="6" name="Title 5">
             <a:extLst>
               <a:ext uri="{FF2B5EF4-FFF2-40B4-BE49-F238E27FC236}">
-                <a16:creationId xmlns="" xmlns:a16="http://schemas.microsoft.com/office/drawing/2014/main" id="{13397F04-F22D-49B7-9111-3E764FC17708}"/>
+                <a16:creationId xmlns:a16="http://schemas.microsoft.com/office/drawing/2014/main" xmlns="" id="{13397F04-F22D-49B7-9111-3E764FC17708}"/>
               </a:ext>
             </a:extLst>
           </p:cNvPr>
@@ -5071,11 +5167,7 @@
           <a:p>
             <a:r>
               <a:rPr lang="en-US" sz="4000" dirty="0" err="1" smtClean="0"/>
-              <a:t>quad</a:t>
-            </a:r>
-            <a:r>
-              <a:rPr lang="en-US" sz="4000" dirty="0" err="1" smtClean="0"/>
-              <a:t>VS.hlsl</a:t>
+              <a:t>quadVS.hlsl</a:t>
             </a:r>
             <a:endParaRPr lang="hu-HU" sz="4000" dirty="0"/>
           </a:p>
@@ -5129,6 +5221,13 @@
   <p:clrMapOvr>
     <a:masterClrMapping/>
   </p:clrMapOvr>
+  <p:timing>
+    <p:tnLst>
+      <p:par>
+        <p:cTn id="1" dur="indefinite" restart="never" nodeType="tmRoot"/>
+      </p:par>
+    </p:tnLst>
+  </p:timing>
 </p:sld>
 </file>
 
@@ -5154,7 +5253,7 @@
           <p:cNvPr id="6" name="Title 5">
             <a:extLst>
               <a:ext uri="{FF2B5EF4-FFF2-40B4-BE49-F238E27FC236}">
-                <a16:creationId xmlns="" xmlns:a16="http://schemas.microsoft.com/office/drawing/2014/main" id="{13397F04-F22D-49B7-9111-3E764FC17708}"/>
+                <a16:creationId xmlns:a16="http://schemas.microsoft.com/office/drawing/2014/main" xmlns="" id="{13397F04-F22D-49B7-9111-3E764FC17708}"/>
               </a:ext>
             </a:extLst>
           </p:cNvPr>
@@ -5172,11 +5271,7 @@
           <a:p>
             <a:r>
               <a:rPr lang="en-US" sz="4000" dirty="0" err="1" smtClean="0"/>
-              <a:t>quad</a:t>
-            </a:r>
-            <a:r>
-              <a:rPr lang="en-US" sz="4000" dirty="0" err="1" smtClean="0"/>
-              <a:t>VS.hlsl</a:t>
+              <a:t>quadVS.hlsl</a:t>
             </a:r>
             <a:endParaRPr lang="hu-HU" sz="4000" dirty="0"/>
           </a:p>
@@ -5224,6 +5319,13 @@
   <p:clrMapOvr>
     <a:masterClrMapping/>
   </p:clrMapOvr>
+  <p:timing>
+    <p:tnLst>
+      <p:par>
+        <p:cTn id="1" dur="indefinite" restart="never" nodeType="tmRoot"/>
+      </p:par>
+    </p:tnLst>
+  </p:timing>
 </p:sld>
 </file>
 
@@ -5249,7 +5351,7 @@
           <p:cNvPr id="6" name="Title 5">
             <a:extLst>
               <a:ext uri="{FF2B5EF4-FFF2-40B4-BE49-F238E27FC236}">
-                <a16:creationId xmlns="" xmlns:a16="http://schemas.microsoft.com/office/drawing/2014/main" id="{13397F04-F22D-49B7-9111-3E764FC17708}"/>
+                <a16:creationId xmlns:a16="http://schemas.microsoft.com/office/drawing/2014/main" xmlns="" id="{13397F04-F22D-49B7-9111-3E764FC17708}"/>
               </a:ext>
             </a:extLst>
           </p:cNvPr>
@@ -5347,6 +5449,13 @@
   <p:clrMapOvr>
     <a:masterClrMapping/>
   </p:clrMapOvr>
+  <p:timing>
+    <p:tnLst>
+      <p:par>
+        <p:cTn id="1" dur="indefinite" restart="never" nodeType="tmRoot"/>
+      </p:par>
+    </p:tnLst>
+  </p:timing>
 </p:sld>
 </file>
 
@@ -5452,6 +5561,13 @@
               <a:rPr lang="hu-HU" sz="2400" dirty="0" smtClean="0"/>
               <a:t> </a:t>
             </a:r>
+            <a:endParaRPr lang="hu-HU" sz="2400" dirty="0" smtClean="0"/>
+          </a:p>
+          <a:p>
+            <a:r>
+              <a:rPr lang="hu-HU" sz="2400" dirty="0" smtClean="0"/>
+              <a:t>// anyagba perFrameCb és srvHeap bekötése</a:t>
+            </a:r>
             <a:endParaRPr lang="en-US" sz="2400" dirty="0"/>
           </a:p>
         </p:txBody>
@@ -5461,7 +5577,7 @@
           <p:cNvPr id="6" name="Title 5">
             <a:extLst>
               <a:ext uri="{FF2B5EF4-FFF2-40B4-BE49-F238E27FC236}">
-                <a16:creationId xmlns="" xmlns:a16="http://schemas.microsoft.com/office/drawing/2014/main" id="{13397F04-F22D-49B7-9111-3E764FC17708}"/>
+                <a16:creationId xmlns:a16="http://schemas.microsoft.com/office/drawing/2014/main" xmlns="" id="{13397F04-F22D-49B7-9111-3E764FC17708}"/>
               </a:ext>
             </a:extLst>
           </p:cNvPr>
@@ -5504,6 +5620,13 @@
   <p:clrMapOvr>
     <a:masterClrMapping/>
   </p:clrMapOvr>
+  <p:timing>
+    <p:tnLst>
+      <p:par>
+        <p:cTn id="1" dur="indefinite" restart="never" nodeType="tmRoot"/>
+      </p:par>
+    </p:tnLst>
+  </p:timing>
 </p:sld>
 </file>
 
@@ -5542,116 +5665,26 @@
           <a:lstStyle/>
           <a:p>
             <a:r>
-              <a:rPr lang="en-US" sz="2000" dirty="0" err="1"/>
+              <a:rPr lang="en-US" sz="2800" dirty="0" err="1" smtClean="0"/>
               <a:t>backgroundMesh</a:t>
             </a:r>
             <a:r>
-              <a:rPr lang="en-US" sz="2000" dirty="0"/>
-              <a:t>-&gt;</a:t>
-            </a:r>
-            <a:r>
-              <a:rPr lang="en-US" sz="2000" dirty="0" err="1"/>
-              <a:t>SetPipelineState</a:t>
-            </a:r>
-            <a:r>
-              <a:rPr lang="en-US" sz="2000" dirty="0"/>
-              <a:t>(</a:t>
-            </a:r>
-            <a:r>
-              <a:rPr lang="en-US" sz="2000" dirty="0" err="1"/>
+              <a:rPr lang="en-US" sz="2800" dirty="0" smtClean="0"/>
+              <a:t>-</a:t>
+            </a:r>
+            <a:r>
+              <a:rPr lang="en-US" sz="2800" dirty="0"/>
+              <a:t>&gt;Draw(</a:t>
+            </a:r>
+            <a:r>
+              <a:rPr lang="en-US" sz="2800" dirty="0" err="1"/>
               <a:t>commandList.Get</a:t>
             </a:r>
             <a:r>
-              <a:rPr lang="en-US" sz="2000" dirty="0"/>
+              <a:rPr lang="en-US" sz="2800" dirty="0"/>
               <a:t>());</a:t>
             </a:r>
-          </a:p>
-          <a:p>
-            <a:r>
-              <a:rPr lang="en-US" sz="2000" dirty="0" err="1"/>
-              <a:t>backgroundMesh</a:t>
-            </a:r>
-            <a:r>
-              <a:rPr lang="en-US" sz="2000" dirty="0"/>
-              <a:t>-&gt;</a:t>
-            </a:r>
-            <a:r>
-              <a:rPr lang="en-US" sz="2000" dirty="0" err="1"/>
-              <a:t>BindConstantBuffer</a:t>
-            </a:r>
-            <a:r>
-              <a:rPr lang="en-US" sz="2000" dirty="0"/>
-              <a:t>(</a:t>
-            </a:r>
-            <a:r>
-              <a:rPr lang="en-US" sz="2000" dirty="0" err="1"/>
-              <a:t>commandList.Get</a:t>
-            </a:r>
-            <a:r>
-              <a:rPr lang="en-US" sz="2000" dirty="0"/>
-              <a:t>(), </a:t>
-            </a:r>
-            <a:r>
-              <a:rPr lang="en-US" sz="2000" dirty="0" err="1"/>
-              <a:t>perFrameCb</a:t>
-            </a:r>
-            <a:r>
-              <a:rPr lang="en-US" sz="2000" dirty="0"/>
-              <a:t>);</a:t>
-            </a:r>
-          </a:p>
-          <a:p>
-            <a:r>
-              <a:rPr lang="en-US" sz="2000" dirty="0" err="1"/>
-              <a:t>commandList</a:t>
-            </a:r>
-            <a:r>
-              <a:rPr lang="en-US" sz="2000" dirty="0"/>
-              <a:t>-&gt;</a:t>
-            </a:r>
-            <a:r>
-              <a:rPr lang="en-US" sz="2000" dirty="0" err="1"/>
-              <a:t>SetGraphicsRootDescriptorTable</a:t>
-            </a:r>
-            <a:r>
-              <a:rPr lang="en-US" sz="2000" dirty="0"/>
-              <a:t>(2, </a:t>
-            </a:r>
-            <a:r>
-              <a:rPr lang="en-US" sz="2000" dirty="0" err="1"/>
-              <a:t>srvHeap</a:t>
-            </a:r>
-            <a:r>
-              <a:rPr lang="en-US" sz="2000" dirty="0"/>
-              <a:t>-&gt;</a:t>
-            </a:r>
-            <a:r>
-              <a:rPr lang="en-US" sz="2000" dirty="0" err="1"/>
-              <a:t>GetGPUDescriptorHandleForHeapStart</a:t>
-            </a:r>
-            <a:r>
-              <a:rPr lang="en-US" sz="2000" dirty="0"/>
-              <a:t>());</a:t>
-            </a:r>
-          </a:p>
-          <a:p>
-            <a:r>
-              <a:rPr lang="en-US" sz="2000" dirty="0" err="1"/>
-              <a:t>backgroundMesh</a:t>
-            </a:r>
-            <a:r>
-              <a:rPr lang="en-US" sz="2000" dirty="0"/>
-              <a:t>-&gt;Draw(</a:t>
-            </a:r>
-            <a:r>
-              <a:rPr lang="en-US" sz="2000" dirty="0" err="1"/>
-              <a:t>commandList.Get</a:t>
-            </a:r>
-            <a:r>
-              <a:rPr lang="en-US" sz="2000" dirty="0"/>
-              <a:t>());</a:t>
-            </a:r>
-            <a:endParaRPr lang="en-US" sz="2800" dirty="0"/>
+            <a:endParaRPr lang="en-US" sz="3600" dirty="0"/>
           </a:p>
         </p:txBody>
       </p:sp>
@@ -5660,7 +5693,7 @@
           <p:cNvPr id="6" name="Title 5">
             <a:extLst>
               <a:ext uri="{FF2B5EF4-FFF2-40B4-BE49-F238E27FC236}">
-                <a16:creationId xmlns="" xmlns:a16="http://schemas.microsoft.com/office/drawing/2014/main" id="{13397F04-F22D-49B7-9111-3E764FC17708}"/>
+                <a16:creationId xmlns:a16="http://schemas.microsoft.com/office/drawing/2014/main" xmlns="" id="{13397F04-F22D-49B7-9111-3E764FC17708}"/>
               </a:ext>
             </a:extLst>
           </p:cNvPr>
@@ -5703,6 +5736,13 @@
   <p:clrMapOvr>
     <a:masterClrMapping/>
   </p:clrMapOvr>
+  <p:timing>
+    <p:tnLst>
+      <p:par>
+        <p:cTn id="1" dur="indefinite" restart="never" nodeType="tmRoot"/>
+      </p:par>
+    </p:tnLst>
+  </p:timing>
 </p:sld>
 </file>
 
@@ -5815,6 +5855,13 @@
   <p:clrMapOvr>
     <a:masterClrMapping/>
   </p:clrMapOvr>
+  <p:timing>
+    <p:tnLst>
+      <p:par>
+        <p:cTn id="1" dur="indefinite" restart="never" nodeType="tmRoot"/>
+      </p:par>
+    </p:tnLst>
+  </p:timing>
 </p:sld>
 </file>
 
@@ -5892,6 +5939,13 @@
   <p:clrMapOvr>
     <a:masterClrMapping/>
   </p:clrMapOvr>
+  <p:timing>
+    <p:tnLst>
+      <p:par>
+        <p:cTn id="1" dur="indefinite" restart="never" nodeType="tmRoot"/>
+      </p:par>
+    </p:tnLst>
+  </p:timing>
 </p:sld>
 </file>
 
@@ -5939,7 +5993,7 @@
           <p:cNvPr id="4" name="Tartalom helye 2">
             <a:extLst>
               <a:ext uri="{FF2B5EF4-FFF2-40B4-BE49-F238E27FC236}">
-                <a16:creationId xmlns="" xmlns:a16="http://schemas.microsoft.com/office/drawing/2014/main" id="{6656AE22-C593-43CD-BEF3-6FFD0E284A64}"/>
+                <a16:creationId xmlns:a16="http://schemas.microsoft.com/office/drawing/2014/main" xmlns="" id="{6656AE22-C593-43CD-BEF3-6FFD0E284A64}"/>
               </a:ext>
             </a:extLst>
           </p:cNvPr>
@@ -5968,11 +6022,7 @@
             </a:pPr>
             <a:r>
               <a:rPr lang="en-US" dirty="0" err="1" smtClean="0"/>
-              <a:t>kamer</a:t>
-            </a:r>
-            <a:r>
-              <a:rPr lang="en-US" dirty="0" err="1" smtClean="0"/>
-              <a:t>a</a:t>
+              <a:t>kamera</a:t>
             </a:r>
             <a:r>
               <a:rPr lang="en-US" dirty="0" smtClean="0"/>
@@ -6063,6 +6113,13 @@
   <p:clrMapOvr>
     <a:masterClrMapping/>
   </p:clrMapOvr>
+  <p:timing>
+    <p:tnLst>
+      <p:par>
+        <p:cTn id="1" dur="indefinite" restart="never" nodeType="tmRoot"/>
+      </p:par>
+    </p:tnLst>
+  </p:timing>
 </p:sld>
 </file>
 
@@ -6182,7 +6239,6 @@
               <a:rPr lang="en-US" sz="2800" dirty="0"/>
               <a:t>;</a:t>
             </a:r>
-            <a:endParaRPr lang="en-US" sz="2800" dirty="0"/>
           </a:p>
         </p:txBody>
       </p:sp>
@@ -6191,7 +6247,7 @@
           <p:cNvPr id="6" name="Title 5">
             <a:extLst>
               <a:ext uri="{FF2B5EF4-FFF2-40B4-BE49-F238E27FC236}">
-                <a16:creationId xmlns="" xmlns:a16="http://schemas.microsoft.com/office/drawing/2014/main" id="{13397F04-F22D-49B7-9111-3E764FC17708}"/>
+                <a16:creationId xmlns:a16="http://schemas.microsoft.com/office/drawing/2014/main" xmlns="" id="{13397F04-F22D-49B7-9111-3E764FC17708}"/>
               </a:ext>
             </a:extLst>
           </p:cNvPr>
@@ -6230,6 +6286,13 @@
   <p:clrMapOvr>
     <a:masterClrMapping/>
   </p:clrMapOvr>
+  <p:timing>
+    <p:tnLst>
+      <p:par>
+        <p:cTn id="1" dur="indefinite" restart="never" nodeType="tmRoot"/>
+      </p:par>
+    </p:tnLst>
+  </p:timing>
 </p:sld>
 </file>
 
@@ -6315,7 +6378,6 @@
               <a:rPr lang="en-US" sz="2400" dirty="0"/>
               <a:t>};</a:t>
             </a:r>
-            <a:endParaRPr lang="en-US" sz="2400" dirty="0"/>
           </a:p>
         </p:txBody>
       </p:sp>
@@ -6324,7 +6386,7 @@
           <p:cNvPr id="6" name="Title 5">
             <a:extLst>
               <a:ext uri="{FF2B5EF4-FFF2-40B4-BE49-F238E27FC236}">
-                <a16:creationId xmlns="" xmlns:a16="http://schemas.microsoft.com/office/drawing/2014/main" id="{13397F04-F22D-49B7-9111-3E764FC17708}"/>
+                <a16:creationId xmlns:a16="http://schemas.microsoft.com/office/drawing/2014/main" xmlns="" id="{13397F04-F22D-49B7-9111-3E764FC17708}"/>
               </a:ext>
             </a:extLst>
           </p:cNvPr>
@@ -6363,6 +6425,13 @@
   <p:clrMapOvr>
     <a:masterClrMapping/>
   </p:clrMapOvr>
+  <p:timing>
+    <p:tnLst>
+      <p:par>
+        <p:cTn id="1" dur="indefinite" restart="never" nodeType="tmRoot"/>
+      </p:par>
+    </p:tnLst>
+  </p:timing>
 </p:sld>
 </file>
 
@@ -6385,10 +6454,78 @@
       </p:grpSpPr>
       <p:sp>
         <p:nvSpPr>
+          <p:cNvPr id="3" name="Szöveg helye 2"/>
+          <p:cNvSpPr>
+            <a:spLocks noGrp="1"/>
+          </p:cNvSpPr>
+          <p:nvPr>
+            <p:ph type="body" sz="quarter" idx="13"/>
+          </p:nvPr>
+        </p:nvSpPr>
+        <p:spPr/>
+        <p:txBody>
+          <a:bodyPr>
+            <a:normAutofit/>
+          </a:bodyPr>
+          <a:lstStyle/>
+          <a:p>
+            <a:r>
+              <a:rPr lang="en-US" sz="2400" dirty="0"/>
+              <a:t>using namespace Egg::Math;</a:t>
+            </a:r>
+          </a:p>
+          <a:p>
+            <a:r>
+              <a:rPr lang="en-US" sz="2400" dirty="0"/>
+              <a:t>camera = Egg::Cam::</a:t>
+            </a:r>
+            <a:r>
+              <a:rPr lang="en-US" sz="2400" dirty="0" err="1"/>
+              <a:t>FirstPerson</a:t>
+            </a:r>
+            <a:r>
+              <a:rPr lang="en-US" sz="2400" dirty="0"/>
+              <a:t>::Create()-&gt;</a:t>
+            </a:r>
+            <a:r>
+              <a:rPr lang="en-US" sz="2400" dirty="0" err="1"/>
+              <a:t>SetView</a:t>
+            </a:r>
+            <a:r>
+              <a:rPr lang="en-US" sz="2400" dirty="0"/>
+              <a:t>(Float3(0, 1, -7), Float3(0, 0, 1));</a:t>
+            </a:r>
+            <a:endParaRPr lang="en-US" sz="2400" dirty="0" smtClean="0"/>
+          </a:p>
+          <a:p>
+            <a:endParaRPr lang="en-US" sz="2400" dirty="0"/>
+          </a:p>
+          <a:p>
+            <a:r>
+              <a:rPr lang="en-US" sz="2400" dirty="0" err="1" smtClean="0"/>
+              <a:t>perFrameCb.CreateResources</a:t>
+            </a:r>
+            <a:r>
+              <a:rPr lang="en-US" sz="2400" dirty="0" smtClean="0"/>
+              <a:t>(</a:t>
+            </a:r>
+            <a:r>
+              <a:rPr lang="en-US" sz="2400" dirty="0" err="1" smtClean="0"/>
+              <a:t>device.Get</a:t>
+            </a:r>
+            <a:r>
+              <a:rPr lang="en-US" sz="2400" dirty="0"/>
+              <a:t>());</a:t>
+            </a:r>
+          </a:p>
+        </p:txBody>
+      </p:sp>
+      <p:sp>
+        <p:nvSpPr>
           <p:cNvPr id="6" name="Title 5">
             <a:extLst>
               <a:ext uri="{FF2B5EF4-FFF2-40B4-BE49-F238E27FC236}">
-                <a16:creationId xmlns="" xmlns:a16="http://schemas.microsoft.com/office/drawing/2014/main" id="{13397F04-F22D-49B7-9111-3E764FC17708}"/>
+                <a16:creationId xmlns:a16="http://schemas.microsoft.com/office/drawing/2014/main" xmlns="" id="{13397F04-F22D-49B7-9111-3E764FC17708}"/>
               </a:ext>
             </a:extLst>
           </p:cNvPr>
@@ -6399,54 +6536,45 @@
             <p:ph type="title"/>
           </p:nvPr>
         </p:nvSpPr>
-        <p:spPr/>
+        <p:spPr>
+          <a:xfrm>
+            <a:off x="152400" y="76200"/>
+            <a:ext cx="8839200" cy="685800"/>
+          </a:xfrm>
+        </p:spPr>
         <p:txBody>
           <a:bodyPr/>
           <a:lstStyle/>
           <a:p>
             <a:r>
-              <a:rPr lang="en-US" sz="4000" dirty="0" smtClean="0"/>
-              <a:t>ggl005App::Update</a:t>
-            </a:r>
-            <a:endParaRPr lang="hu-HU" sz="4000" dirty="0"/>
-          </a:p>
-        </p:txBody>
-      </p:sp>
-      <p:sp>
-        <p:nvSpPr>
-          <p:cNvPr id="3" name="Szöveg helye 2"/>
-          <p:cNvSpPr>
-            <a:spLocks noGrp="1"/>
-          </p:cNvSpPr>
-          <p:nvPr>
-            <p:ph idx="1"/>
-          </p:nvPr>
-        </p:nvSpPr>
-        <p:spPr/>
-        <p:txBody>
-          <a:bodyPr>
-            <a:normAutofit/>
-          </a:bodyPr>
-          <a:lstStyle/>
-          <a:p>
-            <a:r>
-              <a:rPr lang="hu-HU" dirty="0" smtClean="0"/>
-              <a:t>állítsuk be a mátrixot a konstans bufferben a kamera alapján</a:t>
-            </a:r>
-            <a:endParaRPr lang="en-US" dirty="0"/>
+              <a:rPr lang="en-US" sz="3600" dirty="0" smtClean="0"/>
+              <a:t>ggl005App::</a:t>
+            </a:r>
+            <a:r>
+              <a:rPr lang="en-US" sz="3600" dirty="0" err="1" smtClean="0"/>
+              <a:t>LoadAssets</a:t>
+            </a:r>
+            <a:endParaRPr lang="hu-HU" sz="3600" dirty="0"/>
           </a:p>
         </p:txBody>
       </p:sp>
     </p:spTree>
     <p:extLst>
       <p:ext uri="{BB962C8B-B14F-4D97-AF65-F5344CB8AC3E}">
-        <p14:creationId xmlns:p14="http://schemas.microsoft.com/office/powerpoint/2010/main" val="4094267586"/>
+        <p14:creationId xmlns:p14="http://schemas.microsoft.com/office/powerpoint/2010/main" val="2761971181"/>
       </p:ext>
     </p:extLst>
   </p:cSld>
   <p:clrMapOvr>
     <a:masterClrMapping/>
   </p:clrMapOvr>
+  <p:timing>
+    <p:tnLst>
+      <p:par>
+        <p:cTn id="1" dur="indefinite" restart="never" nodeType="tmRoot"/>
+      </p:par>
+    </p:tnLst>
+  </p:timing>
 </p:sld>
 </file>
 
@@ -6472,7 +6600,7 @@
           <p:cNvPr id="6" name="Title 5">
             <a:extLst>
               <a:ext uri="{FF2B5EF4-FFF2-40B4-BE49-F238E27FC236}">
-                <a16:creationId xmlns="" xmlns:a16="http://schemas.microsoft.com/office/drawing/2014/main" id="{13397F04-F22D-49B7-9111-3E764FC17708}"/>
+                <a16:creationId xmlns:a16="http://schemas.microsoft.com/office/drawing/2014/main" xmlns="" id="{13397F04-F22D-49B7-9111-3E764FC17708}"/>
               </a:ext>
             </a:extLst>
           </p:cNvPr>
@@ -6490,11 +6618,15 @@
           <a:p>
             <a:r>
               <a:rPr lang="en-US" sz="3600" dirty="0" smtClean="0"/>
-              <a:t>ggl005App::</a:t>
-            </a:r>
-            <a:r>
-              <a:rPr lang="en-US" sz="3600" dirty="0" err="1" smtClean="0"/>
-              <a:t>PopulateCommandList</a:t>
+              <a:t>ggl005App</a:t>
+            </a:r>
+            <a:r>
+              <a:rPr lang="en-US" sz="3600" dirty="0" smtClean="0"/>
+              <a:t>::</a:t>
+            </a:r>
+            <a:r>
+              <a:rPr lang="hu-HU" sz="3600" dirty="0" smtClean="0"/>
+              <a:t>LoadAssets</a:t>
             </a:r>
             <a:endParaRPr lang="hu-HU" sz="3600" dirty="0"/>
           </a:p>
@@ -6526,14 +6658,7 @@
             <a:pPr lvl="1"/>
             <a:r>
               <a:rPr lang="hu-HU" sz="3200" dirty="0" smtClean="0"/>
-              <a:t>shaded meshbe</a:t>
-            </a:r>
-          </a:p>
-          <a:p>
-            <a:pPr lvl="1"/>
-            <a:r>
-              <a:rPr lang="hu-HU" sz="3200" dirty="0" smtClean="0"/>
-              <a:t>root descriptaor table-be</a:t>
+              <a:t>materialon keresztül</a:t>
             </a:r>
             <a:endParaRPr lang="en-US" sz="4000" dirty="0"/>
           </a:p>
@@ -6549,6 +6674,13 @@
   <p:clrMapOvr>
     <a:masterClrMapping/>
   </p:clrMapOvr>
+  <p:timing>
+    <p:tnLst>
+      <p:par>
+        <p:cTn id="1" dur="indefinite" restart="never" nodeType="tmRoot"/>
+      </p:par>
+    </p:tnLst>
+  </p:timing>
 </p:sld>
 </file>
 
@@ -6571,12 +6703,41 @@
       </p:grpSpPr>
       <p:sp>
         <p:nvSpPr>
+          <p:cNvPr id="6" name="Title 5">
+            <a:extLst>
+              <a:ext uri="{FF2B5EF4-FFF2-40B4-BE49-F238E27FC236}">
+                <a16:creationId xmlns:a16="http://schemas.microsoft.com/office/drawing/2014/main" xmlns="" id="{13397F04-F22D-49B7-9111-3E764FC17708}"/>
+              </a:ext>
+            </a:extLst>
+          </p:cNvPr>
+          <p:cNvSpPr>
+            <a:spLocks noGrp="1"/>
+          </p:cNvSpPr>
+          <p:nvPr>
+            <p:ph type="title"/>
+          </p:nvPr>
+        </p:nvSpPr>
+        <p:spPr/>
+        <p:txBody>
+          <a:bodyPr/>
+          <a:lstStyle/>
+          <a:p>
+            <a:r>
+              <a:rPr lang="en-US" sz="4000" dirty="0" smtClean="0"/>
+              <a:t>ggl005App::Update</a:t>
+            </a:r>
+            <a:endParaRPr lang="hu-HU" sz="4000" dirty="0"/>
+          </a:p>
+        </p:txBody>
+      </p:sp>
+      <p:sp>
+        <p:nvSpPr>
           <p:cNvPr id="3" name="Szöveg helye 2"/>
           <p:cNvSpPr>
             <a:spLocks noGrp="1"/>
           </p:cNvSpPr>
           <p:nvPr>
-            <p:ph type="body" sz="quarter" idx="13"/>
+            <p:ph idx="1"/>
           </p:nvPr>
         </p:nvSpPr>
         <p:spPr/>
@@ -6587,73 +6748,30 @@
           <a:lstStyle/>
           <a:p>
             <a:r>
-              <a:rPr lang="en-US" sz="2400" dirty="0" err="1"/>
-              <a:t>perFrameCb.CreateResources</a:t>
-            </a:r>
-            <a:r>
-              <a:rPr lang="en-US" sz="2400" dirty="0"/>
-              <a:t>(</a:t>
-            </a:r>
-            <a:r>
-              <a:rPr lang="en-US" sz="2400" dirty="0" err="1"/>
-              <a:t>device.Get</a:t>
-            </a:r>
-            <a:r>
-              <a:rPr lang="en-US" sz="2400" dirty="0"/>
-              <a:t>());</a:t>
-            </a:r>
-            <a:endParaRPr lang="en-US" sz="2400" dirty="0"/>
-          </a:p>
-        </p:txBody>
-      </p:sp>
-      <p:sp>
-        <p:nvSpPr>
-          <p:cNvPr id="6" name="Title 5">
-            <a:extLst>
-              <a:ext uri="{FF2B5EF4-FFF2-40B4-BE49-F238E27FC236}">
-                <a16:creationId xmlns="" xmlns:a16="http://schemas.microsoft.com/office/drawing/2014/main" id="{13397F04-F22D-49B7-9111-3E764FC17708}"/>
-              </a:ext>
-            </a:extLst>
-          </p:cNvPr>
-          <p:cNvSpPr>
-            <a:spLocks noGrp="1"/>
-          </p:cNvSpPr>
-          <p:nvPr>
-            <p:ph type="title"/>
-          </p:nvPr>
-        </p:nvSpPr>
-        <p:spPr>
-          <a:xfrm>
-            <a:off x="152400" y="76200"/>
-            <a:ext cx="8839200" cy="685800"/>
-          </a:xfrm>
-        </p:spPr>
-        <p:txBody>
-          <a:bodyPr/>
-          <a:lstStyle/>
-          <a:p>
-            <a:r>
-              <a:rPr lang="en-US" sz="3600" dirty="0" smtClean="0"/>
-              <a:t>ggl005App::</a:t>
-            </a:r>
-            <a:r>
-              <a:rPr lang="en-US" sz="3600" dirty="0" err="1" smtClean="0"/>
-              <a:t>LoadAssets</a:t>
-            </a:r>
-            <a:endParaRPr lang="hu-HU" sz="3600" dirty="0"/>
+              <a:rPr lang="hu-HU" dirty="0" smtClean="0"/>
+              <a:t>állítsuk be a mátrixot a konstans bufferben a kamera alapján</a:t>
+            </a:r>
+            <a:endParaRPr lang="en-US" dirty="0"/>
           </a:p>
         </p:txBody>
       </p:sp>
     </p:spTree>
     <p:extLst>
       <p:ext uri="{BB962C8B-B14F-4D97-AF65-F5344CB8AC3E}">
-        <p14:creationId xmlns:p14="http://schemas.microsoft.com/office/powerpoint/2010/main" val="2761971181"/>
+        <p14:creationId xmlns:p14="http://schemas.microsoft.com/office/powerpoint/2010/main" val="4094267586"/>
       </p:ext>
     </p:extLst>
   </p:cSld>
   <p:clrMapOvr>
     <a:masterClrMapping/>
   </p:clrMapOvr>
+  <p:timing>
+    <p:tnLst>
+      <p:par>
+        <p:cTn id="1" dur="indefinite" restart="never" nodeType="tmRoot"/>
+      </p:par>
+    </p:tnLst>
+  </p:timing>
 </p:sld>
 </file>
 
@@ -6765,7 +6883,7 @@
           <p:cNvPr id="6" name="Title 5">
             <a:extLst>
               <a:ext uri="{FF2B5EF4-FFF2-40B4-BE49-F238E27FC236}">
-                <a16:creationId xmlns="" xmlns:a16="http://schemas.microsoft.com/office/drawing/2014/main" id="{13397F04-F22D-49B7-9111-3E764FC17708}"/>
+                <a16:creationId xmlns:a16="http://schemas.microsoft.com/office/drawing/2014/main" xmlns="" id="{13397F04-F22D-49B7-9111-3E764FC17708}"/>
               </a:ext>
             </a:extLst>
           </p:cNvPr>
@@ -6804,6 +6922,13 @@
   <p:clrMapOvr>
     <a:masterClrMapping/>
   </p:clrMapOvr>
+  <p:timing>
+    <p:tnLst>
+      <p:par>
+        <p:cTn id="1" dur="indefinite" restart="never" nodeType="tmRoot"/>
+      </p:par>
+    </p:tnLst>
+  </p:timing>
 </p:sld>
 </file>
 
